--- a/Presentation.pptx
+++ b/Presentation.pptx
@@ -26,20 +26,20 @@
   <p:notesSz cx="6858000" cy="9144000"/>
   <p:embeddedFontLst>
     <p:embeddedFont>
-      <p:font typeface="钉钉进步体" panose="00020600040101010101" pitchFamily="18" charset="-122"/>
+      <p:font typeface="Consolas" panose="020B0609020204030204" pitchFamily="49" charset="0"/>
       <p:regular r:id="rId16"/>
-    </p:embeddedFont>
-    <p:embeddedFont>
-      <p:font typeface="Consolas" panose="020B0609020204030204" pitchFamily="49" charset="0"/>
-      <p:regular r:id="rId17"/>
-      <p:bold r:id="rId18"/>
-      <p:italic r:id="rId19"/>
-      <p:boldItalic r:id="rId20"/>
+      <p:bold r:id="rId17"/>
+      <p:italic r:id="rId18"/>
+      <p:boldItalic r:id="rId19"/>
     </p:embeddedFont>
     <p:embeddedFont>
       <p:font typeface="等线" panose="02010600030101010101" pitchFamily="2" charset="-122"/>
-      <p:regular r:id="rId21"/>
-      <p:bold r:id="rId22"/>
+      <p:regular r:id="rId20"/>
+      <p:bold r:id="rId21"/>
+    </p:embeddedFont>
+    <p:embeddedFont>
+      <p:font typeface="钉钉进步体" panose="00020600040101010101" pitchFamily="18" charset="-122"/>
+      <p:regular r:id="rId22"/>
     </p:embeddedFont>
     <p:embeddedFont>
       <p:font typeface="微软雅黑" panose="020B0503020204020204" pitchFamily="34" charset="-122"/>
@@ -4473,7 +4473,7 @@
             </a:r>
             <a:r>
               <a:rPr lang="zh-CN" altLang="en-US" sz="1600" dirty="0"/>
-              <a:t>上，确保文件安全性和可访问性。</a:t>
+              <a:t>上，确保文件的去中心化存储。</a:t>
             </a:r>
             <a:endParaRPr lang="en-US" altLang="zh-CN" sz="1600" dirty="0"/>
           </a:p>
@@ -5585,8 +5585,8 @@
         </p:nvSpPr>
         <p:spPr>
           <a:xfrm>
-            <a:off x="3627120" y="4113014"/>
-            <a:ext cx="4937760" cy="523220"/>
+            <a:off x="3962400" y="4113014"/>
+            <a:ext cx="4267200" cy="523220"/>
           </a:xfrm>
           <a:prstGeom prst="rect">
             <a:avLst/>
@@ -5605,6 +5605,7 @@
                 <a:solidFill>
                   <a:srgbClr val="0070C0"/>
                 </a:solidFill>
+                <a:hlinkClick r:id="rId3"/>
               </a:rPr>
               <a:t>http://43.156.142.179</a:t>
             </a:r>

--- a/Presentation.pptx
+++ b/Presentation.pptx
@@ -232,7 +232,7 @@
           <a:p>
             <a:fld id="{458C8C0B-E7A1-4E81-AB6F-6479A52F298B}" type="datetimeFigureOut">
               <a:rPr lang="zh-CN" altLang="en-US" smtClean="0"/>
-              <a:t>2024/12/16</a:t>
+              <a:t>2024/12/17</a:t>
             </a:fld>
             <a:endParaRPr lang="zh-CN" altLang="en-US"/>
           </a:p>
@@ -5614,6 +5614,48 @@
                 <a:srgbClr val="0070C0"/>
               </a:solidFill>
             </a:endParaRPr>
+          </a:p>
+        </p:txBody>
+      </p:sp>
+      <p:sp>
+        <p:nvSpPr>
+          <p:cNvPr id="16" name="文本框 15">
+            <a:extLst>
+              <a:ext uri="{FF2B5EF4-FFF2-40B4-BE49-F238E27FC236}">
+                <a16:creationId xmlns:a16="http://schemas.microsoft.com/office/drawing/2014/main" id="{EDD679B8-D522-4BDC-99B2-D6D06FE62537}"/>
+              </a:ext>
+            </a:extLst>
+          </p:cNvPr>
+          <p:cNvSpPr txBox="1"/>
+          <p:nvPr/>
+        </p:nvSpPr>
+        <p:spPr>
+          <a:xfrm>
+            <a:off x="1" y="6550223"/>
+            <a:ext cx="4043844" cy="307777"/>
+          </a:xfrm>
+          <a:prstGeom prst="rect">
+            <a:avLst/>
+          </a:prstGeom>
+          <a:noFill/>
+        </p:spPr>
+        <p:txBody>
+          <a:bodyPr wrap="square">
+            <a:spAutoFit/>
+          </a:bodyPr>
+          <a:lstStyle/>
+          <a:p>
+            <a:r>
+              <a:rPr lang="en-US" altLang="zh-CN" sz="1400" dirty="0">
+                <a:solidFill>
+                  <a:schemeClr val="accent5">
+                    <a:lumMod val="60000"/>
+                    <a:lumOff val="40000"/>
+                  </a:schemeClr>
+                </a:solidFill>
+              </a:rPr>
+              <a:t>Contact: minmuslin@outlook.com</a:t>
+            </a:r>
           </a:p>
         </p:txBody>
       </p:sp>
